--- a/조예린-스마트문화앱콘텐츠설계.pptx
+++ b/조예린-스마트문화앱콘텐츠설계.pptx
@@ -2,7 +2,7 @@
 <file path=ppt/presentation.xml><?xml version="1.0" encoding="utf-8"?>
 <p:presentation xmlns:r="http://schemas.openxmlformats.org/officeDocument/2006/relationships" xmlns:c="http://schemas.openxmlformats.org/drawingml/2006/chart" xmlns:a="http://schemas.openxmlformats.org/drawingml/2006/main" xmlns:dgm="http://schemas.openxmlformats.org/drawingml/2006/diagram" xmlns:dsp="http://schemas.microsoft.com/office/drawing/2008/diagram" xmlns:p="http://schemas.openxmlformats.org/presentationml/2006/main">
   <p:sldMasterIdLst>
-    <p:sldMasterId id="2147483720" r:id="rId1"/>
+    <p:sldMasterId id="2147483719" r:id="rId1"/>
   </p:sldMasterIdLst>
   <p:sldIdLst>
     <p:sldId id="256" r:id="rId2"/>
@@ -3840,7 +3840,7 @@
       </p:sp>
       <p:pic>
         <p:nvPicPr>
-          <p:cNvPr id="4" name=""/>
+          <p:cNvPr id="5" name=""/>
           <p:cNvPicPr>
             <a:picLocks noGrp="1" noChangeAspect="1"/>
           </p:cNvPicPr>

--- a/조예린-스마트문화앱콘텐츠설계.pptx
+++ b/조예린-스마트문화앱콘텐츠설계.pptx
@@ -3482,7 +3482,7 @@
       </p:grpSpPr>
       <p:pic>
         <p:nvPicPr>
-          <p:cNvPr id="6" name=""/>
+          <p:cNvPr id="7" name=""/>
           <p:cNvPicPr>
             <a:picLocks noChangeAspect="1"/>
           </p:cNvPicPr>

--- a/조예린-스마트문화앱콘텐츠설계.pptx
+++ b/조예린-스마트문화앱콘텐츠설계.pptx
@@ -2,7 +2,7 @@
 <file path=ppt/presentation.xml><?xml version="1.0" encoding="utf-8"?>
 <p:presentation xmlns:r="http://schemas.openxmlformats.org/officeDocument/2006/relationships" xmlns:c="http://schemas.openxmlformats.org/drawingml/2006/chart" xmlns:a="http://schemas.openxmlformats.org/drawingml/2006/main" xmlns:dgm="http://schemas.openxmlformats.org/drawingml/2006/diagram" xmlns:dsp="http://schemas.microsoft.com/office/drawing/2008/diagram" xmlns:p="http://schemas.openxmlformats.org/presentationml/2006/main">
   <p:sldMasterIdLst>
-    <p:sldMasterId id="2147483722" r:id="rId1"/>
+    <p:sldMasterId id="2147483719" r:id="rId1"/>
   </p:sldMasterIdLst>
   <p:sldIdLst>
     <p:sldId id="256" r:id="rId2"/>
@@ -3440,6 +3440,90 @@
           </a:prstGeom>
         </p:spPr>
       </p:pic>
+      <p:sp>
+        <p:nvSpPr>
+          <p:cNvPr id="4" name=""/>
+          <p:cNvSpPr txBox="1"/>
+          <p:nvPr/>
+        </p:nvSpPr>
+        <p:spPr>
+          <a:xfrm>
+            <a:off x="5945090" y="3457575"/>
+            <a:ext cx="619714" cy="331470"/>
+          </a:xfrm>
+          <a:prstGeom prst="rect">
+            <a:avLst/>
+          </a:prstGeom>
+        </p:spPr>
+        <p:txBody>
+          <a:bodyPr wrap="square">
+            <a:spAutoFit/>
+          </a:bodyPr>
+          <a:p>
+            <a:pPr>
+              <a:defRPr/>
+            </a:pPr>
+            <a:r>
+              <a:rPr lang="en-US" altLang="ko-KR" sz="800"/>
+              <a:t>main-color</a:t>
+            </a:r>
+            <a:endParaRPr lang="en-US" altLang="ko-KR" sz="800"/>
+          </a:p>
+        </p:txBody>
+      </p:sp>
+      <p:sp>
+        <p:nvSpPr>
+          <p:cNvPr id="6" name=""/>
+          <p:cNvSpPr txBox="1"/>
+          <p:nvPr/>
+        </p:nvSpPr>
+        <p:spPr>
+          <a:xfrm>
+            <a:off x="8242634" y="5875420"/>
+            <a:ext cx="2857502" cy="447275"/>
+          </a:xfrm>
+          <a:prstGeom prst="rect">
+            <a:avLst/>
+          </a:prstGeom>
+        </p:spPr>
+        <p:txBody>
+          <a:bodyPr wrap="square">
+            <a:spAutoFit/>
+          </a:bodyPr>
+          <a:p>
+            <a:pPr>
+              <a:defRPr/>
+            </a:pPr>
+            <a:r>
+              <a:rPr lang="en-US" altLang="ko-KR" sz="1200">
+                <a:latin typeface="나눔스퀘어 ExtraBold"/>
+                <a:ea typeface="나눔스퀘어 ExtraBold"/>
+              </a:rPr>
+              <a:t>font-color:#333,#666</a:t>
+            </a:r>
+            <a:endParaRPr lang="en-US" altLang="ko-KR" sz="1200">
+              <a:latin typeface="나눔스퀘어 ExtraBold"/>
+              <a:ea typeface="나눔스퀘어 ExtraBold"/>
+            </a:endParaRPr>
+          </a:p>
+          <a:p>
+            <a:pPr>
+              <a:defRPr/>
+            </a:pPr>
+            <a:r>
+              <a:rPr lang="en-US" altLang="ko-KR" sz="1200">
+                <a:latin typeface="나눔스퀘어 ExtraBold"/>
+                <a:ea typeface="나눔스퀘어 ExtraBold"/>
+              </a:rPr>
+              <a:t>font:simple,modern,useful</a:t>
+            </a:r>
+            <a:endParaRPr lang="en-US" altLang="ko-KR" sz="1200">
+              <a:latin typeface="나눔스퀘어 ExtraBold"/>
+              <a:ea typeface="나눔스퀘어 ExtraBold"/>
+            </a:endParaRPr>
+          </a:p>
+        </p:txBody>
+      </p:sp>
     </p:spTree>
   </p:cSld>
   <p:clrMapOvr>
